--- a/14주차-데이터 분석-온라인.pptx
+++ b/14주차-데이터 분석-온라인.pptx
@@ -5,7 +5,7 @@
     <p:sldMasterId id="2147483648" r:id="rId1"/>
   </p:sldMasterIdLst>
   <p:notesMasterIdLst>
-    <p:notesMasterId r:id="rId11"/>
+    <p:notesMasterId r:id="rId13"/>
   </p:notesMasterIdLst>
   <p:sldIdLst>
     <p:sldId id="258" r:id="rId2"/>
@@ -14,9 +14,11 @@
     <p:sldId id="265" r:id="rId5"/>
     <p:sldId id="270" r:id="rId6"/>
     <p:sldId id="271" r:id="rId7"/>
-    <p:sldId id="267" r:id="rId8"/>
-    <p:sldId id="268" r:id="rId9"/>
-    <p:sldId id="269" r:id="rId10"/>
+    <p:sldId id="272" r:id="rId8"/>
+    <p:sldId id="273" r:id="rId9"/>
+    <p:sldId id="267" r:id="rId10"/>
+    <p:sldId id="268" r:id="rId11"/>
+    <p:sldId id="269" r:id="rId12"/>
   </p:sldIdLst>
   <p:sldSz cx="12192000" cy="6858000"/>
   <p:notesSz cx="6858000" cy="9144000"/>
@@ -3899,6 +3901,434 @@
 </p:sld>
 </file>
 
+<file path=ppt/slides/slide10.xml><?xml version="1.0" encoding="utf-8"?>
+<p:sld xmlns:a="http://schemas.openxmlformats.org/drawingml/2006/main" xmlns:r="http://schemas.openxmlformats.org/officeDocument/2006/relationships" xmlns:p="http://schemas.openxmlformats.org/presentationml/2006/main">
+  <p:cSld>
+    <p:spTree>
+      <p:nvGrpSpPr>
+        <p:cNvPr id="1" name=""/>
+        <p:cNvGrpSpPr/>
+        <p:nvPr/>
+      </p:nvGrpSpPr>
+      <p:grpSpPr>
+        <a:xfrm>
+          <a:off x="0" y="0"/>
+          <a:ext cx="0" cy="0"/>
+          <a:chOff x="0" y="0"/>
+          <a:chExt cx="0" cy="0"/>
+        </a:xfrm>
+      </p:grpSpPr>
+      <p:pic>
+        <p:nvPicPr>
+          <p:cNvPr id="2" name="그림 1"/>
+          <p:cNvPicPr>
+            <a:picLocks noChangeAspect="1"/>
+          </p:cNvPicPr>
+          <p:nvPr/>
+        </p:nvPicPr>
+        <p:blipFill>
+          <a:blip r:embed="rId2"/>
+          <a:stretch>
+            <a:fillRect/>
+          </a:stretch>
+        </p:blipFill>
+        <p:spPr>
+          <a:xfrm>
+            <a:off x="0" y="1075541"/>
+            <a:ext cx="7258050" cy="5524500"/>
+          </a:xfrm>
+          <a:prstGeom prst="rect">
+            <a:avLst/>
+          </a:prstGeom>
+        </p:spPr>
+      </p:pic>
+      <p:sp>
+        <p:nvSpPr>
+          <p:cNvPr id="3" name="직사각형 2"/>
+          <p:cNvSpPr/>
+          <p:nvPr/>
+        </p:nvSpPr>
+        <p:spPr>
+          <a:xfrm>
+            <a:off x="423134" y="245650"/>
+            <a:ext cx="6278879" cy="646331"/>
+          </a:xfrm>
+          <a:prstGeom prst="rect">
+            <a:avLst/>
+          </a:prstGeom>
+        </p:spPr>
+        <p:txBody>
+          <a:bodyPr wrap="square">
+            <a:spAutoFit/>
+          </a:bodyPr>
+          <a:lstStyle/>
+          <a:p>
+            <a:r>
+              <a:rPr lang="ko-KR" altLang="en-US" dirty="0"/>
+              <a:t>1. </a:t>
+            </a:r>
+            <a:r>
+              <a:rPr lang="ko-KR" altLang="en-US" dirty="0" err="1" smtClean="0"/>
+              <a:t>그래프을</a:t>
+            </a:r>
+            <a:r>
+              <a:rPr lang="ko-KR" altLang="en-US" dirty="0" smtClean="0"/>
+              <a:t> </a:t>
+            </a:r>
+            <a:r>
+              <a:rPr lang="ko-KR" altLang="en-US" dirty="0"/>
+              <a:t>참고하여 자신의 </a:t>
+            </a:r>
+            <a:r>
+              <a:rPr lang="ko-KR" altLang="en-US" dirty="0" err="1"/>
+              <a:t>학번이름을</a:t>
+            </a:r>
+            <a:r>
+              <a:rPr lang="ko-KR" altLang="en-US" dirty="0"/>
+              <a:t> 그래프의 제목으로 추가하여 제출하시오. (이름은 영어로 표기하세요)</a:t>
+            </a:r>
+          </a:p>
+        </p:txBody>
+      </p:sp>
+      <p:sp>
+        <p:nvSpPr>
+          <p:cNvPr id="4" name="직사각형 3"/>
+          <p:cNvSpPr/>
+          <p:nvPr/>
+        </p:nvSpPr>
+        <p:spPr>
+          <a:xfrm>
+            <a:off x="7258050" y="1664352"/>
+            <a:ext cx="6096000" cy="2862322"/>
+          </a:xfrm>
+          <a:prstGeom prst="rect">
+            <a:avLst/>
+          </a:prstGeom>
+        </p:spPr>
+        <p:txBody>
+          <a:bodyPr>
+            <a:spAutoFit/>
+          </a:bodyPr>
+          <a:lstStyle/>
+          <a:p>
+            <a:r>
+              <a:rPr lang="ko-KR" altLang="en-US" dirty="0" err="1"/>
+              <a:t>import</a:t>
+            </a:r>
+            <a:r>
+              <a:rPr lang="ko-KR" altLang="en-US" dirty="0"/>
+              <a:t> </a:t>
+            </a:r>
+            <a:r>
+              <a:rPr lang="ko-KR" altLang="en-US" dirty="0" err="1"/>
+              <a:t>numpy</a:t>
+            </a:r>
+            <a:r>
+              <a:rPr lang="ko-KR" altLang="en-US" dirty="0"/>
+              <a:t> </a:t>
+            </a:r>
+            <a:r>
+              <a:rPr lang="ko-KR" altLang="en-US" dirty="0" err="1"/>
+              <a:t>as</a:t>
+            </a:r>
+            <a:r>
+              <a:rPr lang="ko-KR" altLang="en-US" dirty="0"/>
+              <a:t> </a:t>
+            </a:r>
+            <a:r>
+              <a:rPr lang="ko-KR" altLang="en-US" dirty="0" err="1"/>
+              <a:t>np</a:t>
+            </a:r>
+            <a:endParaRPr lang="ko-KR" altLang="en-US" dirty="0"/>
+          </a:p>
+          <a:p>
+            <a:r>
+              <a:rPr lang="ko-KR" altLang="en-US" dirty="0" err="1"/>
+              <a:t>import</a:t>
+            </a:r>
+            <a:r>
+              <a:rPr lang="ko-KR" altLang="en-US" dirty="0"/>
+              <a:t> </a:t>
+            </a:r>
+            <a:r>
+              <a:rPr lang="ko-KR" altLang="en-US" dirty="0" err="1"/>
+              <a:t>matplotlib.pyplot</a:t>
+            </a:r>
+            <a:r>
+              <a:rPr lang="ko-KR" altLang="en-US" dirty="0"/>
+              <a:t> </a:t>
+            </a:r>
+            <a:r>
+              <a:rPr lang="ko-KR" altLang="en-US" dirty="0" err="1"/>
+              <a:t>as</a:t>
+            </a:r>
+            <a:r>
+              <a:rPr lang="ko-KR" altLang="en-US" dirty="0"/>
+              <a:t> </a:t>
+            </a:r>
+            <a:r>
+              <a:rPr lang="ko-KR" altLang="en-US" dirty="0" err="1"/>
+              <a:t>plt</a:t>
+            </a:r>
+            <a:endParaRPr lang="ko-KR" altLang="en-US" dirty="0"/>
+          </a:p>
+          <a:p>
+            <a:endParaRPr lang="ko-KR" altLang="en-US" dirty="0"/>
+          </a:p>
+          <a:p>
+            <a:r>
+              <a:rPr lang="ko-KR" altLang="en-US" dirty="0" err="1"/>
+              <a:t>x</a:t>
+            </a:r>
+            <a:r>
+              <a:rPr lang="ko-KR" altLang="en-US" dirty="0"/>
+              <a:t>= [1,2,3]</a:t>
+            </a:r>
+          </a:p>
+          <a:p>
+            <a:r>
+              <a:rPr lang="ko-KR" altLang="en-US" dirty="0" err="1"/>
+              <a:t>y</a:t>
+            </a:r>
+            <a:r>
+              <a:rPr lang="ko-KR" altLang="en-US" dirty="0"/>
+              <a:t>=[10,20,30]</a:t>
+            </a:r>
+          </a:p>
+          <a:p>
+            <a:r>
+              <a:rPr lang="ko-KR" altLang="en-US" dirty="0" err="1"/>
+              <a:t>plt.bar</a:t>
+            </a:r>
+            <a:r>
+              <a:rPr lang="ko-KR" altLang="en-US" dirty="0"/>
+              <a:t>(</a:t>
+            </a:r>
+            <a:r>
+              <a:rPr lang="ko-KR" altLang="en-US" dirty="0" err="1"/>
+              <a:t>x,y</a:t>
+            </a:r>
+            <a:r>
+              <a:rPr lang="ko-KR" altLang="en-US" dirty="0"/>
+              <a:t>)</a:t>
+            </a:r>
+          </a:p>
+          <a:p>
+            <a:r>
+              <a:rPr lang="ko-KR" altLang="en-US" dirty="0" err="1"/>
+              <a:t>plt.xlabel</a:t>
+            </a:r>
+            <a:r>
+              <a:rPr lang="ko-KR" altLang="en-US" dirty="0"/>
+              <a:t>("1143")</a:t>
+            </a:r>
+          </a:p>
+          <a:p>
+            <a:r>
+              <a:rPr lang="ko-KR" altLang="en-US" dirty="0" err="1"/>
+              <a:t>plt.ylabel</a:t>
+            </a:r>
+            <a:r>
+              <a:rPr lang="ko-KR" altLang="en-US" dirty="0"/>
+              <a:t>("</a:t>
+            </a:r>
+            <a:r>
+              <a:rPr lang="ko-KR" altLang="en-US" dirty="0" err="1"/>
+              <a:t>Hong</a:t>
+            </a:r>
+            <a:r>
+              <a:rPr lang="ko-KR" altLang="en-US" dirty="0"/>
+              <a:t> </a:t>
+            </a:r>
+            <a:r>
+              <a:rPr lang="ko-KR" altLang="en-US" dirty="0" err="1"/>
+              <a:t>GilDong</a:t>
+            </a:r>
+            <a:r>
+              <a:rPr lang="ko-KR" altLang="en-US" dirty="0"/>
+              <a:t>")</a:t>
+            </a:r>
+          </a:p>
+          <a:p>
+            <a:r>
+              <a:rPr lang="ko-KR" altLang="en-US" dirty="0" err="1"/>
+              <a:t>plt.title</a:t>
+            </a:r>
+            <a:r>
+              <a:rPr lang="ko-KR" altLang="en-US" dirty="0"/>
+              <a:t>("1143/</a:t>
+            </a:r>
+            <a:r>
+              <a:rPr lang="ko-KR" altLang="en-US" dirty="0" err="1"/>
+              <a:t>Hong</a:t>
+            </a:r>
+            <a:r>
+              <a:rPr lang="ko-KR" altLang="en-US" dirty="0"/>
+              <a:t> </a:t>
+            </a:r>
+            <a:r>
+              <a:rPr lang="ko-KR" altLang="en-US" dirty="0" err="1"/>
+              <a:t>GilDong</a:t>
+            </a:r>
+            <a:r>
+              <a:rPr lang="ko-KR" altLang="en-US" dirty="0"/>
+              <a:t>")</a:t>
+            </a:r>
+          </a:p>
+          <a:p>
+            <a:r>
+              <a:rPr lang="ko-KR" altLang="en-US" dirty="0" err="1"/>
+              <a:t>plt.show</a:t>
+            </a:r>
+            <a:r>
+              <a:rPr lang="ko-KR" altLang="en-US" dirty="0"/>
+              <a:t>()</a:t>
+            </a:r>
+          </a:p>
+        </p:txBody>
+      </p:sp>
+    </p:spTree>
+    <p:extLst>
+      <p:ext uri="{BB962C8B-B14F-4D97-AF65-F5344CB8AC3E}">
+        <p14:creationId xmlns:p14="http://schemas.microsoft.com/office/powerpoint/2010/main" val="2579256487"/>
+      </p:ext>
+    </p:extLst>
+  </p:cSld>
+  <p:clrMapOvr>
+    <a:masterClrMapping/>
+  </p:clrMapOvr>
+</p:sld>
+</file>
+
+<file path=ppt/slides/slide11.xml><?xml version="1.0" encoding="utf-8"?>
+<p:sld xmlns:a="http://schemas.openxmlformats.org/drawingml/2006/main" xmlns:r="http://schemas.openxmlformats.org/officeDocument/2006/relationships" xmlns:p="http://schemas.openxmlformats.org/presentationml/2006/main">
+  <p:cSld>
+    <p:spTree>
+      <p:nvGrpSpPr>
+        <p:cNvPr id="1" name=""/>
+        <p:cNvGrpSpPr/>
+        <p:nvPr/>
+      </p:nvGrpSpPr>
+      <p:grpSpPr>
+        <a:xfrm>
+          <a:off x="0" y="0"/>
+          <a:ext cx="0" cy="0"/>
+          <a:chOff x="0" y="0"/>
+          <a:chExt cx="0" cy="0"/>
+        </a:xfrm>
+      </p:grpSpPr>
+      <p:pic>
+        <p:nvPicPr>
+          <p:cNvPr id="2" name="그림 1"/>
+          <p:cNvPicPr>
+            <a:picLocks noChangeAspect="1"/>
+          </p:cNvPicPr>
+          <p:nvPr/>
+        </p:nvPicPr>
+        <p:blipFill>
+          <a:blip r:embed="rId2"/>
+          <a:stretch>
+            <a:fillRect/>
+          </a:stretch>
+        </p:blipFill>
+        <p:spPr>
+          <a:xfrm>
+            <a:off x="939501" y="2002660"/>
+            <a:ext cx="6049635" cy="4500338"/>
+          </a:xfrm>
+          <a:prstGeom prst="rect">
+            <a:avLst/>
+          </a:prstGeom>
+        </p:spPr>
+      </p:pic>
+      <p:sp>
+        <p:nvSpPr>
+          <p:cNvPr id="3" name="직사각형 2"/>
+          <p:cNvSpPr/>
+          <p:nvPr/>
+        </p:nvSpPr>
+        <p:spPr>
+          <a:xfrm>
+            <a:off x="1133138" y="1079330"/>
+            <a:ext cx="10097845" cy="646331"/>
+          </a:xfrm>
+          <a:prstGeom prst="rect">
+            <a:avLst/>
+          </a:prstGeom>
+        </p:spPr>
+        <p:txBody>
+          <a:bodyPr wrap="square">
+            <a:spAutoFit/>
+          </a:bodyPr>
+          <a:lstStyle/>
+          <a:p>
+            <a:r>
+              <a:rPr lang="ko-KR" altLang="en-US" dirty="0"/>
+              <a:t>다음 그래프에 </a:t>
+            </a:r>
+            <a:r>
+              <a:rPr lang="ko-KR" altLang="en-US" dirty="0" err="1"/>
+              <a:t>x축</a:t>
+            </a:r>
+            <a:r>
+              <a:rPr lang="ko-KR" altLang="en-US" dirty="0"/>
+              <a:t> 레이블과 </a:t>
+            </a:r>
+            <a:r>
+              <a:rPr lang="ko-KR" altLang="en-US" dirty="0" err="1"/>
+              <a:t>y축</a:t>
+            </a:r>
+            <a:r>
+              <a:rPr lang="ko-KR" altLang="en-US" dirty="0"/>
+              <a:t> 레이블을 추가하여 제출하시오. </a:t>
+            </a:r>
+            <a:endParaRPr lang="en-US" altLang="ko-KR" dirty="0" smtClean="0"/>
+          </a:p>
+          <a:p>
+            <a:r>
+              <a:rPr lang="ko-KR" altLang="en-US" dirty="0" err="1" smtClean="0"/>
+              <a:t>x</a:t>
+            </a:r>
+            <a:r>
+              <a:rPr lang="ko-KR" altLang="en-US" dirty="0" err="1"/>
+              <a:t>축</a:t>
+            </a:r>
+            <a:r>
+              <a:rPr lang="ko-KR" altLang="en-US" dirty="0"/>
+              <a:t> 레이블은 "SID", </a:t>
+            </a:r>
+            <a:r>
+              <a:rPr lang="ko-KR" altLang="en-US" dirty="0" err="1"/>
+              <a:t>y축레이블은</a:t>
+            </a:r>
+            <a:r>
+              <a:rPr lang="ko-KR" altLang="en-US" dirty="0"/>
+              <a:t> "</a:t>
+            </a:r>
+            <a:r>
+              <a:rPr lang="ko-KR" altLang="en-US" dirty="0" err="1"/>
+              <a:t>grade</a:t>
+            </a:r>
+            <a:r>
+              <a:rPr lang="ko-KR" altLang="en-US" dirty="0"/>
+              <a:t>" 로 지정한다.</a:t>
+            </a:r>
+          </a:p>
+        </p:txBody>
+      </p:sp>
+    </p:spTree>
+    <p:extLst>
+      <p:ext uri="{BB962C8B-B14F-4D97-AF65-F5344CB8AC3E}">
+        <p14:creationId xmlns:p14="http://schemas.microsoft.com/office/powerpoint/2010/main" val="2840812924"/>
+      </p:ext>
+    </p:extLst>
+  </p:cSld>
+  <p:clrMapOvr>
+    <a:masterClrMapping/>
+  </p:clrMapOvr>
+</p:sld>
+</file>
+
 <file path=ppt/slides/slide2.xml><?xml version="1.0" encoding="utf-8"?>
 <p:sld xmlns:a="http://schemas.openxmlformats.org/drawingml/2006/main" xmlns:r="http://schemas.openxmlformats.org/officeDocument/2006/relationships" xmlns:p="http://schemas.openxmlformats.org/presentationml/2006/main">
   <p:cSld>
@@ -4895,6 +5325,172 @@
           <a:chExt cx="0" cy="0"/>
         </a:xfrm>
       </p:grpSpPr>
+      <p:sp>
+        <p:nvSpPr>
+          <p:cNvPr id="2" name="직사각형 1"/>
+          <p:cNvSpPr/>
+          <p:nvPr/>
+        </p:nvSpPr>
+        <p:spPr>
+          <a:xfrm>
+            <a:off x="342378" y="6252100"/>
+            <a:ext cx="10116854" cy="369332"/>
+          </a:xfrm>
+          <a:prstGeom prst="rect">
+            <a:avLst/>
+          </a:prstGeom>
+        </p:spPr>
+        <p:txBody>
+          <a:bodyPr wrap="square">
+            <a:spAutoFit/>
+          </a:bodyPr>
+          <a:lstStyle/>
+          <a:p>
+            <a:r>
+              <a:rPr lang="ko-KR" altLang="en-US" dirty="0"/>
+              <a:t>https://github.com/iceman67/Data-Visualization/blob/master/test_np_plot.ipynb</a:t>
+            </a:r>
+          </a:p>
+        </p:txBody>
+      </p:sp>
+      <p:sp>
+        <p:nvSpPr>
+          <p:cNvPr id="4" name="TextBox 3"/>
+          <p:cNvSpPr txBox="1"/>
+          <p:nvPr/>
+        </p:nvSpPr>
+        <p:spPr>
+          <a:xfrm>
+            <a:off x="5556858" y="1302706"/>
+            <a:ext cx="1415772" cy="338554"/>
+          </a:xfrm>
+          <a:prstGeom prst="rect">
+            <a:avLst/>
+          </a:prstGeom>
+          <a:noFill/>
+        </p:spPr>
+        <p:txBody>
+          <a:bodyPr wrap="none" rtlCol="0">
+            <a:spAutoFit/>
+          </a:bodyPr>
+          <a:lstStyle/>
+          <a:p>
+            <a:r>
+              <a:rPr lang="ko-KR" altLang="en-US" sz="1600" dirty="0" smtClean="0"/>
+              <a:t>자료준비하기</a:t>
+            </a:r>
+            <a:endParaRPr lang="ko-KR" altLang="en-US" sz="1600" dirty="0"/>
+          </a:p>
+        </p:txBody>
+      </p:sp>
+      <p:pic>
+        <p:nvPicPr>
+          <p:cNvPr id="5" name="그림 4"/>
+          <p:cNvPicPr>
+            <a:picLocks noChangeAspect="1"/>
+          </p:cNvPicPr>
+          <p:nvPr/>
+        </p:nvPicPr>
+        <p:blipFill>
+          <a:blip r:embed="rId2"/>
+          <a:stretch>
+            <a:fillRect/>
+          </a:stretch>
+        </p:blipFill>
+        <p:spPr>
+          <a:xfrm>
+            <a:off x="790705" y="854966"/>
+            <a:ext cx="4610100" cy="5248275"/>
+          </a:xfrm>
+          <a:prstGeom prst="rect">
+            <a:avLst/>
+          </a:prstGeom>
+        </p:spPr>
+      </p:pic>
+    </p:spTree>
+    <p:extLst>
+      <p:ext uri="{BB962C8B-B14F-4D97-AF65-F5344CB8AC3E}">
+        <p14:creationId xmlns:p14="http://schemas.microsoft.com/office/powerpoint/2010/main" val="893980657"/>
+      </p:ext>
+    </p:extLst>
+  </p:cSld>
+  <p:clrMapOvr>
+    <a:masterClrMapping/>
+  </p:clrMapOvr>
+</p:sld>
+</file>
+
+<file path=ppt/slides/slide8.xml><?xml version="1.0" encoding="utf-8"?>
+<p:sld xmlns:a="http://schemas.openxmlformats.org/drawingml/2006/main" xmlns:r="http://schemas.openxmlformats.org/officeDocument/2006/relationships" xmlns:p="http://schemas.openxmlformats.org/presentationml/2006/main">
+  <p:cSld>
+    <p:spTree>
+      <p:nvGrpSpPr>
+        <p:cNvPr id="1" name=""/>
+        <p:cNvGrpSpPr/>
+        <p:nvPr/>
+      </p:nvGrpSpPr>
+      <p:grpSpPr>
+        <a:xfrm>
+          <a:off x="0" y="0"/>
+          <a:ext cx="0" cy="0"/>
+          <a:chOff x="0" y="0"/>
+          <a:chExt cx="0" cy="0"/>
+        </a:xfrm>
+      </p:grpSpPr>
+      <p:pic>
+        <p:nvPicPr>
+          <p:cNvPr id="2" name="그림 1"/>
+          <p:cNvPicPr>
+            <a:picLocks noChangeAspect="1"/>
+          </p:cNvPicPr>
+          <p:nvPr/>
+        </p:nvPicPr>
+        <p:blipFill>
+          <a:blip r:embed="rId2"/>
+          <a:stretch>
+            <a:fillRect/>
+          </a:stretch>
+        </p:blipFill>
+        <p:spPr>
+          <a:xfrm>
+            <a:off x="551471" y="1361489"/>
+            <a:ext cx="6560614" cy="5039312"/>
+          </a:xfrm>
+          <a:prstGeom prst="rect">
+            <a:avLst/>
+          </a:prstGeom>
+        </p:spPr>
+      </p:pic>
+    </p:spTree>
+    <p:extLst>
+      <p:ext uri="{BB962C8B-B14F-4D97-AF65-F5344CB8AC3E}">
+        <p14:creationId xmlns:p14="http://schemas.microsoft.com/office/powerpoint/2010/main" val="3572385890"/>
+      </p:ext>
+    </p:extLst>
+  </p:cSld>
+  <p:clrMapOvr>
+    <a:masterClrMapping/>
+  </p:clrMapOvr>
+</p:sld>
+</file>
+
+<file path=ppt/slides/slide9.xml><?xml version="1.0" encoding="utf-8"?>
+<p:sld xmlns:a="http://schemas.openxmlformats.org/drawingml/2006/main" xmlns:r="http://schemas.openxmlformats.org/officeDocument/2006/relationships" xmlns:p="http://schemas.openxmlformats.org/presentationml/2006/main">
+  <p:cSld>
+    <p:spTree>
+      <p:nvGrpSpPr>
+        <p:cNvPr id="1" name=""/>
+        <p:cNvGrpSpPr/>
+        <p:nvPr/>
+      </p:nvGrpSpPr>
+      <p:grpSpPr>
+        <a:xfrm>
+          <a:off x="0" y="0"/>
+          <a:ext cx="0" cy="0"/>
+          <a:chOff x="0" y="0"/>
+          <a:chExt cx="0" cy="0"/>
+        </a:xfrm>
+      </p:grpSpPr>
       <p:pic>
         <p:nvPicPr>
           <p:cNvPr id="4" name="그림 3"/>
@@ -4946,434 +5542,6 @@
     <p:extLst>
       <p:ext uri="{BB962C8B-B14F-4D97-AF65-F5344CB8AC3E}">
         <p14:creationId xmlns:p14="http://schemas.microsoft.com/office/powerpoint/2010/main" val="1195450567"/>
-      </p:ext>
-    </p:extLst>
-  </p:cSld>
-  <p:clrMapOvr>
-    <a:masterClrMapping/>
-  </p:clrMapOvr>
-</p:sld>
-</file>
-
-<file path=ppt/slides/slide8.xml><?xml version="1.0" encoding="utf-8"?>
-<p:sld xmlns:a="http://schemas.openxmlformats.org/drawingml/2006/main" xmlns:r="http://schemas.openxmlformats.org/officeDocument/2006/relationships" xmlns:p="http://schemas.openxmlformats.org/presentationml/2006/main">
-  <p:cSld>
-    <p:spTree>
-      <p:nvGrpSpPr>
-        <p:cNvPr id="1" name=""/>
-        <p:cNvGrpSpPr/>
-        <p:nvPr/>
-      </p:nvGrpSpPr>
-      <p:grpSpPr>
-        <a:xfrm>
-          <a:off x="0" y="0"/>
-          <a:ext cx="0" cy="0"/>
-          <a:chOff x="0" y="0"/>
-          <a:chExt cx="0" cy="0"/>
-        </a:xfrm>
-      </p:grpSpPr>
-      <p:pic>
-        <p:nvPicPr>
-          <p:cNvPr id="2" name="그림 1"/>
-          <p:cNvPicPr>
-            <a:picLocks noChangeAspect="1"/>
-          </p:cNvPicPr>
-          <p:nvPr/>
-        </p:nvPicPr>
-        <p:blipFill>
-          <a:blip r:embed="rId2"/>
-          <a:stretch>
-            <a:fillRect/>
-          </a:stretch>
-        </p:blipFill>
-        <p:spPr>
-          <a:xfrm>
-            <a:off x="0" y="1075541"/>
-            <a:ext cx="7258050" cy="5524500"/>
-          </a:xfrm>
-          <a:prstGeom prst="rect">
-            <a:avLst/>
-          </a:prstGeom>
-        </p:spPr>
-      </p:pic>
-      <p:sp>
-        <p:nvSpPr>
-          <p:cNvPr id="3" name="직사각형 2"/>
-          <p:cNvSpPr/>
-          <p:nvPr/>
-        </p:nvSpPr>
-        <p:spPr>
-          <a:xfrm>
-            <a:off x="423134" y="245650"/>
-            <a:ext cx="6278879" cy="646331"/>
-          </a:xfrm>
-          <a:prstGeom prst="rect">
-            <a:avLst/>
-          </a:prstGeom>
-        </p:spPr>
-        <p:txBody>
-          <a:bodyPr wrap="square">
-            <a:spAutoFit/>
-          </a:bodyPr>
-          <a:lstStyle/>
-          <a:p>
-            <a:r>
-              <a:rPr lang="ko-KR" altLang="en-US" dirty="0"/>
-              <a:t>1. </a:t>
-            </a:r>
-            <a:r>
-              <a:rPr lang="ko-KR" altLang="en-US" dirty="0" err="1" smtClean="0"/>
-              <a:t>그래프을</a:t>
-            </a:r>
-            <a:r>
-              <a:rPr lang="ko-KR" altLang="en-US" dirty="0" smtClean="0"/>
-              <a:t> </a:t>
-            </a:r>
-            <a:r>
-              <a:rPr lang="ko-KR" altLang="en-US" dirty="0"/>
-              <a:t>참고하여 자신의 </a:t>
-            </a:r>
-            <a:r>
-              <a:rPr lang="ko-KR" altLang="en-US" dirty="0" err="1"/>
-              <a:t>학번이름을</a:t>
-            </a:r>
-            <a:r>
-              <a:rPr lang="ko-KR" altLang="en-US" dirty="0"/>
-              <a:t> 그래프의 제목으로 추가하여 제출하시오. (이름은 영어로 표기하세요)</a:t>
-            </a:r>
-          </a:p>
-        </p:txBody>
-      </p:sp>
-      <p:sp>
-        <p:nvSpPr>
-          <p:cNvPr id="4" name="직사각형 3"/>
-          <p:cNvSpPr/>
-          <p:nvPr/>
-        </p:nvSpPr>
-        <p:spPr>
-          <a:xfrm>
-            <a:off x="7258050" y="1664352"/>
-            <a:ext cx="6096000" cy="2862322"/>
-          </a:xfrm>
-          <a:prstGeom prst="rect">
-            <a:avLst/>
-          </a:prstGeom>
-        </p:spPr>
-        <p:txBody>
-          <a:bodyPr>
-            <a:spAutoFit/>
-          </a:bodyPr>
-          <a:lstStyle/>
-          <a:p>
-            <a:r>
-              <a:rPr lang="ko-KR" altLang="en-US" dirty="0" err="1"/>
-              <a:t>import</a:t>
-            </a:r>
-            <a:r>
-              <a:rPr lang="ko-KR" altLang="en-US" dirty="0"/>
-              <a:t> </a:t>
-            </a:r>
-            <a:r>
-              <a:rPr lang="ko-KR" altLang="en-US" dirty="0" err="1"/>
-              <a:t>numpy</a:t>
-            </a:r>
-            <a:r>
-              <a:rPr lang="ko-KR" altLang="en-US" dirty="0"/>
-              <a:t> </a:t>
-            </a:r>
-            <a:r>
-              <a:rPr lang="ko-KR" altLang="en-US" dirty="0" err="1"/>
-              <a:t>as</a:t>
-            </a:r>
-            <a:r>
-              <a:rPr lang="ko-KR" altLang="en-US" dirty="0"/>
-              <a:t> </a:t>
-            </a:r>
-            <a:r>
-              <a:rPr lang="ko-KR" altLang="en-US" dirty="0" err="1"/>
-              <a:t>np</a:t>
-            </a:r>
-            <a:endParaRPr lang="ko-KR" altLang="en-US" dirty="0"/>
-          </a:p>
-          <a:p>
-            <a:r>
-              <a:rPr lang="ko-KR" altLang="en-US" dirty="0" err="1"/>
-              <a:t>import</a:t>
-            </a:r>
-            <a:r>
-              <a:rPr lang="ko-KR" altLang="en-US" dirty="0"/>
-              <a:t> </a:t>
-            </a:r>
-            <a:r>
-              <a:rPr lang="ko-KR" altLang="en-US" dirty="0" err="1"/>
-              <a:t>matplotlib.pyplot</a:t>
-            </a:r>
-            <a:r>
-              <a:rPr lang="ko-KR" altLang="en-US" dirty="0"/>
-              <a:t> </a:t>
-            </a:r>
-            <a:r>
-              <a:rPr lang="ko-KR" altLang="en-US" dirty="0" err="1"/>
-              <a:t>as</a:t>
-            </a:r>
-            <a:r>
-              <a:rPr lang="ko-KR" altLang="en-US" dirty="0"/>
-              <a:t> </a:t>
-            </a:r>
-            <a:r>
-              <a:rPr lang="ko-KR" altLang="en-US" dirty="0" err="1"/>
-              <a:t>plt</a:t>
-            </a:r>
-            <a:endParaRPr lang="ko-KR" altLang="en-US" dirty="0"/>
-          </a:p>
-          <a:p>
-            <a:endParaRPr lang="ko-KR" altLang="en-US" dirty="0"/>
-          </a:p>
-          <a:p>
-            <a:r>
-              <a:rPr lang="ko-KR" altLang="en-US" dirty="0" err="1"/>
-              <a:t>x</a:t>
-            </a:r>
-            <a:r>
-              <a:rPr lang="ko-KR" altLang="en-US" dirty="0"/>
-              <a:t>= [1,2,3]</a:t>
-            </a:r>
-          </a:p>
-          <a:p>
-            <a:r>
-              <a:rPr lang="ko-KR" altLang="en-US" dirty="0" err="1"/>
-              <a:t>y</a:t>
-            </a:r>
-            <a:r>
-              <a:rPr lang="ko-KR" altLang="en-US" dirty="0"/>
-              <a:t>=[10,20,30]</a:t>
-            </a:r>
-          </a:p>
-          <a:p>
-            <a:r>
-              <a:rPr lang="ko-KR" altLang="en-US" dirty="0" err="1"/>
-              <a:t>plt.bar</a:t>
-            </a:r>
-            <a:r>
-              <a:rPr lang="ko-KR" altLang="en-US" dirty="0"/>
-              <a:t>(</a:t>
-            </a:r>
-            <a:r>
-              <a:rPr lang="ko-KR" altLang="en-US" dirty="0" err="1"/>
-              <a:t>x,y</a:t>
-            </a:r>
-            <a:r>
-              <a:rPr lang="ko-KR" altLang="en-US" dirty="0"/>
-              <a:t>)</a:t>
-            </a:r>
-          </a:p>
-          <a:p>
-            <a:r>
-              <a:rPr lang="ko-KR" altLang="en-US" dirty="0" err="1"/>
-              <a:t>plt.xlabel</a:t>
-            </a:r>
-            <a:r>
-              <a:rPr lang="ko-KR" altLang="en-US" dirty="0"/>
-              <a:t>("1143")</a:t>
-            </a:r>
-          </a:p>
-          <a:p>
-            <a:r>
-              <a:rPr lang="ko-KR" altLang="en-US" dirty="0" err="1"/>
-              <a:t>plt.ylabel</a:t>
-            </a:r>
-            <a:r>
-              <a:rPr lang="ko-KR" altLang="en-US" dirty="0"/>
-              <a:t>("</a:t>
-            </a:r>
-            <a:r>
-              <a:rPr lang="ko-KR" altLang="en-US" dirty="0" err="1"/>
-              <a:t>Hong</a:t>
-            </a:r>
-            <a:r>
-              <a:rPr lang="ko-KR" altLang="en-US" dirty="0"/>
-              <a:t> </a:t>
-            </a:r>
-            <a:r>
-              <a:rPr lang="ko-KR" altLang="en-US" dirty="0" err="1"/>
-              <a:t>GilDong</a:t>
-            </a:r>
-            <a:r>
-              <a:rPr lang="ko-KR" altLang="en-US" dirty="0"/>
-              <a:t>")</a:t>
-            </a:r>
-          </a:p>
-          <a:p>
-            <a:r>
-              <a:rPr lang="ko-KR" altLang="en-US" dirty="0" err="1"/>
-              <a:t>plt.title</a:t>
-            </a:r>
-            <a:r>
-              <a:rPr lang="ko-KR" altLang="en-US" dirty="0"/>
-              <a:t>("1143/</a:t>
-            </a:r>
-            <a:r>
-              <a:rPr lang="ko-KR" altLang="en-US" dirty="0" err="1"/>
-              <a:t>Hong</a:t>
-            </a:r>
-            <a:r>
-              <a:rPr lang="ko-KR" altLang="en-US" dirty="0"/>
-              <a:t> </a:t>
-            </a:r>
-            <a:r>
-              <a:rPr lang="ko-KR" altLang="en-US" dirty="0" err="1"/>
-              <a:t>GilDong</a:t>
-            </a:r>
-            <a:r>
-              <a:rPr lang="ko-KR" altLang="en-US" dirty="0"/>
-              <a:t>")</a:t>
-            </a:r>
-          </a:p>
-          <a:p>
-            <a:r>
-              <a:rPr lang="ko-KR" altLang="en-US" dirty="0" err="1"/>
-              <a:t>plt.show</a:t>
-            </a:r>
-            <a:r>
-              <a:rPr lang="ko-KR" altLang="en-US" dirty="0"/>
-              <a:t>()</a:t>
-            </a:r>
-          </a:p>
-        </p:txBody>
-      </p:sp>
-    </p:spTree>
-    <p:extLst>
-      <p:ext uri="{BB962C8B-B14F-4D97-AF65-F5344CB8AC3E}">
-        <p14:creationId xmlns:p14="http://schemas.microsoft.com/office/powerpoint/2010/main" val="2579256487"/>
-      </p:ext>
-    </p:extLst>
-  </p:cSld>
-  <p:clrMapOvr>
-    <a:masterClrMapping/>
-  </p:clrMapOvr>
-</p:sld>
-</file>
-
-<file path=ppt/slides/slide9.xml><?xml version="1.0" encoding="utf-8"?>
-<p:sld xmlns:a="http://schemas.openxmlformats.org/drawingml/2006/main" xmlns:r="http://schemas.openxmlformats.org/officeDocument/2006/relationships" xmlns:p="http://schemas.openxmlformats.org/presentationml/2006/main">
-  <p:cSld>
-    <p:spTree>
-      <p:nvGrpSpPr>
-        <p:cNvPr id="1" name=""/>
-        <p:cNvGrpSpPr/>
-        <p:nvPr/>
-      </p:nvGrpSpPr>
-      <p:grpSpPr>
-        <a:xfrm>
-          <a:off x="0" y="0"/>
-          <a:ext cx="0" cy="0"/>
-          <a:chOff x="0" y="0"/>
-          <a:chExt cx="0" cy="0"/>
-        </a:xfrm>
-      </p:grpSpPr>
-      <p:pic>
-        <p:nvPicPr>
-          <p:cNvPr id="2" name="그림 1"/>
-          <p:cNvPicPr>
-            <a:picLocks noChangeAspect="1"/>
-          </p:cNvPicPr>
-          <p:nvPr/>
-        </p:nvPicPr>
-        <p:blipFill>
-          <a:blip r:embed="rId2"/>
-          <a:stretch>
-            <a:fillRect/>
-          </a:stretch>
-        </p:blipFill>
-        <p:spPr>
-          <a:xfrm>
-            <a:off x="939501" y="2002660"/>
-            <a:ext cx="6049635" cy="4500338"/>
-          </a:xfrm>
-          <a:prstGeom prst="rect">
-            <a:avLst/>
-          </a:prstGeom>
-        </p:spPr>
-      </p:pic>
-      <p:sp>
-        <p:nvSpPr>
-          <p:cNvPr id="3" name="직사각형 2"/>
-          <p:cNvSpPr/>
-          <p:nvPr/>
-        </p:nvSpPr>
-        <p:spPr>
-          <a:xfrm>
-            <a:off x="1133138" y="1079330"/>
-            <a:ext cx="10097845" cy="646331"/>
-          </a:xfrm>
-          <a:prstGeom prst="rect">
-            <a:avLst/>
-          </a:prstGeom>
-        </p:spPr>
-        <p:txBody>
-          <a:bodyPr wrap="square">
-            <a:spAutoFit/>
-          </a:bodyPr>
-          <a:lstStyle/>
-          <a:p>
-            <a:r>
-              <a:rPr lang="ko-KR" altLang="en-US" dirty="0"/>
-              <a:t>다음 그래프에 </a:t>
-            </a:r>
-            <a:r>
-              <a:rPr lang="ko-KR" altLang="en-US" dirty="0" err="1"/>
-              <a:t>x축</a:t>
-            </a:r>
-            <a:r>
-              <a:rPr lang="ko-KR" altLang="en-US" dirty="0"/>
-              <a:t> 레이블과 </a:t>
-            </a:r>
-            <a:r>
-              <a:rPr lang="ko-KR" altLang="en-US" dirty="0" err="1"/>
-              <a:t>y축</a:t>
-            </a:r>
-            <a:r>
-              <a:rPr lang="ko-KR" altLang="en-US" dirty="0"/>
-              <a:t> 레이블을 추가하여 제출하시오. </a:t>
-            </a:r>
-            <a:endParaRPr lang="en-US" altLang="ko-KR" dirty="0" smtClean="0"/>
-          </a:p>
-          <a:p>
-            <a:r>
-              <a:rPr lang="ko-KR" altLang="en-US" dirty="0" err="1" smtClean="0"/>
-              <a:t>x</a:t>
-            </a:r>
-            <a:r>
-              <a:rPr lang="ko-KR" altLang="en-US" dirty="0" err="1"/>
-              <a:t>축</a:t>
-            </a:r>
-            <a:r>
-              <a:rPr lang="ko-KR" altLang="en-US" dirty="0"/>
-              <a:t> 레이블은 "SID", </a:t>
-            </a:r>
-            <a:r>
-              <a:rPr lang="ko-KR" altLang="en-US" dirty="0" err="1"/>
-              <a:t>y축레이블은</a:t>
-            </a:r>
-            <a:r>
-              <a:rPr lang="ko-KR" altLang="en-US" dirty="0"/>
-              <a:t> "</a:t>
-            </a:r>
-            <a:r>
-              <a:rPr lang="ko-KR" altLang="en-US" dirty="0" err="1"/>
-              <a:t>grade</a:t>
-            </a:r>
-            <a:r>
-              <a:rPr lang="ko-KR" altLang="en-US" dirty="0"/>
-              <a:t>" 로 지정한다.</a:t>
-            </a:r>
-          </a:p>
-        </p:txBody>
-      </p:sp>
-    </p:spTree>
-    <p:extLst>
-      <p:ext uri="{BB962C8B-B14F-4D97-AF65-F5344CB8AC3E}">
-        <p14:creationId xmlns:p14="http://schemas.microsoft.com/office/powerpoint/2010/main" val="2840812924"/>
       </p:ext>
     </p:extLst>
   </p:cSld>
